--- a/CIS560PresFinal.pptx
+++ b/CIS560PresFinal.pptx
@@ -8,8 +8,9 @@
     <p:sldId id="256" r:id="rId2"/>
     <p:sldId id="257" r:id="rId3"/>
     <p:sldId id="258" r:id="rId4"/>
-    <p:sldId id="259" r:id="rId5"/>
-    <p:sldId id="260" r:id="rId6"/>
+    <p:sldId id="261" r:id="rId5"/>
+    <p:sldId id="259" r:id="rId6"/>
+    <p:sldId id="260" r:id="rId7"/>
   </p:sldIdLst>
   <p:sldSz cx="12192000" cy="6858000"/>
   <p:notesSz cx="6858000" cy="9144000"/>
@@ -276,7 +277,7 @@
           <a:p>
             <a:fld id="{D208048B-57AF-4F53-BC84-8E0A1033FBEC}" type="datetimeFigureOut">
               <a:rPr lang="en-US" smtClean="0"/>
-              <a:t>4/23/2024</a:t>
+              <a:t>4/24/2024</a:t>
             </a:fld>
             <a:endParaRPr lang="en-US"/>
           </a:p>
@@ -474,7 +475,7 @@
           <a:p>
             <a:fld id="{D208048B-57AF-4F53-BC84-8E0A1033FBEC}" type="datetimeFigureOut">
               <a:rPr lang="en-US" smtClean="0"/>
-              <a:t>4/23/2024</a:t>
+              <a:t>4/24/2024</a:t>
             </a:fld>
             <a:endParaRPr lang="en-US"/>
           </a:p>
@@ -2011,7 +2012,7 @@
           <a:p>
             <a:fld id="{D208048B-57AF-4F53-BC84-8E0A1033FBEC}" type="datetimeFigureOut">
               <a:rPr lang="en-US" smtClean="0"/>
-              <a:t>4/23/2024</a:t>
+              <a:t>4/24/2024</a:t>
             </a:fld>
             <a:endParaRPr lang="en-US"/>
           </a:p>
@@ -2211,7 +2212,7 @@
           <a:p>
             <a:fld id="{D208048B-57AF-4F53-BC84-8E0A1033FBEC}" type="datetimeFigureOut">
               <a:rPr lang="en-US" smtClean="0"/>
-              <a:t>4/23/2024</a:t>
+              <a:t>4/24/2024</a:t>
             </a:fld>
             <a:endParaRPr lang="en-US"/>
           </a:p>
@@ -2489,7 +2490,7 @@
           <a:p>
             <a:fld id="{D208048B-57AF-4F53-BC84-8E0A1033FBEC}" type="datetimeFigureOut">
               <a:rPr lang="en-US" smtClean="0"/>
-              <a:t>4/23/2024</a:t>
+              <a:t>4/24/2024</a:t>
             </a:fld>
             <a:endParaRPr lang="en-US"/>
           </a:p>
@@ -3467,7 +3468,7 @@
           <a:p>
             <a:fld id="{D208048B-57AF-4F53-BC84-8E0A1033FBEC}" type="datetimeFigureOut">
               <a:rPr lang="en-US" smtClean="0"/>
-              <a:t>4/23/2024</a:t>
+              <a:t>4/24/2024</a:t>
             </a:fld>
             <a:endParaRPr lang="en-US"/>
           </a:p>
@@ -4587,7 +4588,7 @@
           <a:p>
             <a:fld id="{D208048B-57AF-4F53-BC84-8E0A1033FBEC}" type="datetimeFigureOut">
               <a:rPr lang="en-US" smtClean="0"/>
-              <a:t>4/23/2024</a:t>
+              <a:t>4/24/2024</a:t>
             </a:fld>
             <a:endParaRPr lang="en-US"/>
           </a:p>
@@ -4734,7 +4735,7 @@
           <a:p>
             <a:fld id="{D208048B-57AF-4F53-BC84-8E0A1033FBEC}" type="datetimeFigureOut">
               <a:rPr lang="en-US" smtClean="0"/>
-              <a:t>4/23/2024</a:t>
+              <a:t>4/24/2024</a:t>
             </a:fld>
             <a:endParaRPr lang="en-US"/>
           </a:p>
@@ -4847,7 +4848,7 @@
           <a:p>
             <a:fld id="{D208048B-57AF-4F53-BC84-8E0A1033FBEC}" type="datetimeFigureOut">
               <a:rPr lang="en-US" smtClean="0"/>
-              <a:t>4/23/2024</a:t>
+              <a:t>4/24/2024</a:t>
             </a:fld>
             <a:endParaRPr lang="en-US"/>
           </a:p>
@@ -6493,7 +6494,7 @@
           <a:p>
             <a:fld id="{D208048B-57AF-4F53-BC84-8E0A1033FBEC}" type="datetimeFigureOut">
               <a:rPr lang="en-US" smtClean="0"/>
-              <a:t>4/23/2024</a:t>
+              <a:t>4/24/2024</a:t>
             </a:fld>
             <a:endParaRPr lang="en-US"/>
           </a:p>
@@ -8131,7 +8132,7 @@
           <a:p>
             <a:fld id="{D208048B-57AF-4F53-BC84-8E0A1033FBEC}" type="datetimeFigureOut">
               <a:rPr lang="en-US" smtClean="0"/>
-              <a:t>4/23/2024</a:t>
+              <a:t>4/24/2024</a:t>
             </a:fld>
             <a:endParaRPr lang="en-US"/>
           </a:p>
@@ -9054,7 +9055,7 @@
             <a:fld id="{D208048B-57AF-4F53-BC84-8E0A1033FBEC}" type="datetimeFigureOut">
               <a:rPr lang="en-US" smtClean="0"/>
               <a:pPr/>
-              <a:t>4/23/2024</a:t>
+              <a:t>4/24/2024</a:t>
             </a:fld>
             <a:endParaRPr lang="en-US" dirty="0"/>
           </a:p>
@@ -10988,39 +10989,48 @@
           </a:bodyPr>
           <a:lstStyle/>
           <a:p>
+            <a:pPr>
+              <a:lnSpc>
+                <a:spcPts val="2800"/>
+              </a:lnSpc>
+            </a:pPr>
             <a:r>
               <a:rPr lang="en-US" dirty="0"/>
               <a:t>Our project handles ticket transactions and movie showing times across many different theaters</a:t>
             </a:r>
           </a:p>
           <a:p>
+            <a:pPr>
+              <a:lnSpc>
+                <a:spcPts val="2800"/>
+              </a:lnSpc>
+            </a:pPr>
+            <a:r>
+              <a:rPr lang="en-US" dirty="0"/>
+              <a:t>Provides services for both movie-goers and small movie theater owners with client and admin services.</a:t>
+            </a:r>
+          </a:p>
+          <a:p>
+            <a:pPr>
+              <a:lnSpc>
+                <a:spcPts val="2800"/>
+              </a:lnSpc>
+            </a:pPr>
             <a:r>
               <a:rPr lang="en-US" dirty="0"/>
               <a:t>Gives clients many different forms of filtering to find movies</a:t>
             </a:r>
           </a:p>
           <a:p>
+            <a:pPr>
+              <a:lnSpc>
+                <a:spcPts val="2800"/>
+              </a:lnSpc>
+            </a:pPr>
             <a:r>
               <a:rPr lang="en-US" dirty="0"/>
               <a:t>Provides various statistics for owners about overall theater, movie, genre, and hourly performance</a:t>
             </a:r>
-          </a:p>
-          <a:p>
-            <a:r>
-              <a:rPr lang="en-US" dirty="0"/>
-              <a:t>Target Users:  Our program’s target audience is movie go-</a:t>
-            </a:r>
-            <a:r>
-              <a:rPr lang="en-US" dirty="0" err="1"/>
-              <a:t>ers</a:t>
-            </a:r>
-            <a:r>
-              <a:rPr lang="en-US" dirty="0"/>
-              <a:t> and small theater owners as we have both client and admin panels with separate functionality.</a:t>
-            </a:r>
-          </a:p>
-          <a:p>
-            <a:endParaRPr lang="en-US" dirty="0"/>
           </a:p>
         </p:txBody>
       </p:sp>
@@ -12195,10 +12205,10 @@
       </p:grpSpPr>
       <p:sp>
         <p:nvSpPr>
-          <p:cNvPr id="2" name="Title 1">
+          <p:cNvPr id="4" name="Title 3">
             <a:extLst>
               <a:ext uri="{FF2B5EF4-FFF2-40B4-BE49-F238E27FC236}">
-                <a16:creationId xmlns:a16="http://schemas.microsoft.com/office/drawing/2014/main" id="{F5B4BE39-75BD-7FC7-CD6A-30FBFE4F28F5}"/>
+                <a16:creationId xmlns:a16="http://schemas.microsoft.com/office/drawing/2014/main" id="{E3EA8C97-3023-E928-0223-D0D10FC9867D}"/>
               </a:ext>
             </a:extLst>
           </p:cNvPr>
@@ -12209,89 +12219,119 @@
             <p:ph type="title"/>
           </p:nvPr>
         </p:nvSpPr>
-        <p:spPr/>
+        <p:spPr>
+          <a:xfrm>
+            <a:off x="8021879" y="4252253"/>
+            <a:ext cx="4314825" cy="1957828"/>
+          </a:xfrm>
+        </p:spPr>
         <p:txBody>
           <a:bodyPr/>
           <a:lstStyle/>
           <a:p>
             <a:r>
               <a:rPr lang="en-US" dirty="0"/>
-              <a:t>High Level Architecture	</a:t>
+              <a:t>App Structure</a:t>
             </a:r>
           </a:p>
         </p:txBody>
       </p:sp>
       <p:sp>
         <p:nvSpPr>
-          <p:cNvPr id="3" name="Content Placeholder 2">
+          <p:cNvPr id="12" name="Rectangle: Diagonal Corners Rounded 11">
             <a:extLst>
               <a:ext uri="{FF2B5EF4-FFF2-40B4-BE49-F238E27FC236}">
-                <a16:creationId xmlns:a16="http://schemas.microsoft.com/office/drawing/2014/main" id="{E64F7651-A765-66B9-1389-2DFCBD087D9D}"/>
+                <a16:creationId xmlns:a16="http://schemas.microsoft.com/office/drawing/2014/main" id="{697AECC2-6580-77C9-7387-F28F65586EB3}"/>
               </a:ext>
             </a:extLst>
           </p:cNvPr>
-          <p:cNvSpPr>
-            <a:spLocks noGrp="1"/>
-          </p:cNvSpPr>
-          <p:nvPr>
-            <p:ph idx="1"/>
-          </p:nvPr>
+          <p:cNvSpPr/>
+          <p:nvPr/>
         </p:nvSpPr>
-        <p:spPr/>
+        <p:spPr>
+          <a:xfrm>
+            <a:off x="244606" y="568171"/>
+            <a:ext cx="7541111" cy="5956916"/>
+          </a:xfrm>
+          <a:prstGeom prst="round2DiagRect">
+            <a:avLst/>
+          </a:prstGeom>
+        </p:spPr>
+        <p:style>
+          <a:lnRef idx="2">
+            <a:schemeClr val="accent1">
+              <a:shade val="15000"/>
+            </a:schemeClr>
+          </a:lnRef>
+          <a:fillRef idx="1">
+            <a:schemeClr val="accent1"/>
+          </a:fillRef>
+          <a:effectRef idx="0">
+            <a:schemeClr val="accent1"/>
+          </a:effectRef>
+          <a:fontRef idx="minor">
+            <a:schemeClr val="lt1"/>
+          </a:fontRef>
+        </p:style>
         <p:txBody>
-          <a:bodyPr vert="horz" lIns="91440" tIns="45720" rIns="91440" bIns="45720" rtlCol="0" anchor="t">
-            <a:normAutofit/>
-          </a:bodyPr>
+          <a:bodyPr rtlCol="0" anchor="ctr"/>
           <a:lstStyle/>
           <a:p>
-            <a:r>
-              <a:rPr lang="en-US" dirty="0"/>
-              <a:t>User Interface / Front End: Written in C# using .NET 6.0 and WPF </a:t>
-            </a:r>
-          </a:p>
-          <a:p>
-            <a:r>
-              <a:rPr lang="en-US" dirty="0"/>
-              <a:t>SQL Server Management Studio using a </a:t>
-            </a:r>
-            <a:r>
-              <a:rPr lang="en-US" dirty="0" err="1"/>
-              <a:t>LocalDB</a:t>
-            </a:r>
-            <a:r>
-              <a:rPr lang="en-US" dirty="0"/>
-              <a:t> for Data</a:t>
-            </a:r>
-          </a:p>
-          <a:p>
-            <a:r>
-              <a:rPr lang="en-US" dirty="0"/>
-              <a:t>UI Implemented using MVVM Architecture</a:t>
-            </a:r>
-          </a:p>
-          <a:p>
-            <a:r>
-              <a:rPr lang="en-US" dirty="0"/>
-              <a:t>Shell Script to Compile Various .</a:t>
-            </a:r>
-            <a:r>
-              <a:rPr lang="en-US" dirty="0" err="1"/>
-              <a:t>sql</a:t>
-            </a:r>
-            <a:r>
-              <a:rPr lang="en-US" dirty="0"/>
-              <a:t> Files for DB</a:t>
-            </a:r>
-          </a:p>
-          <a:p>
-            <a:endParaRPr lang="en-US" dirty="0"/>
+            <a:pPr algn="ctr"/>
+            <a:endParaRPr lang="en-US"/>
           </a:p>
         </p:txBody>
       </p:sp>
+      <p:pic>
+        <p:nvPicPr>
+          <p:cNvPr id="10" name="Picture 9">
+            <a:extLst>
+              <a:ext uri="{FF2B5EF4-FFF2-40B4-BE49-F238E27FC236}">
+                <a16:creationId xmlns:a16="http://schemas.microsoft.com/office/drawing/2014/main" id="{B7ED5AD1-1D38-3B92-1E98-2DE7D79EF2FE}"/>
+              </a:ext>
+            </a:extLst>
+          </p:cNvPr>
+          <p:cNvPicPr>
+            <a:picLocks noChangeAspect="1"/>
+          </p:cNvPicPr>
+          <p:nvPr/>
+        </p:nvPicPr>
+        <p:blipFill>
+          <a:blip r:embed="rId2"/>
+          <a:stretch>
+            <a:fillRect/>
+          </a:stretch>
+        </p:blipFill>
+        <p:spPr>
+          <a:xfrm>
+            <a:off x="525158" y="1222395"/>
+            <a:ext cx="6950832" cy="4702352"/>
+          </a:xfrm>
+          <a:prstGeom prst="round2DiagRect">
+            <a:avLst>
+              <a:gd name="adj1" fmla="val 16667"/>
+              <a:gd name="adj2" fmla="val 0"/>
+            </a:avLst>
+          </a:prstGeom>
+          <a:ln w="88900" cap="sq">
+            <a:solidFill>
+              <a:srgbClr val="FFFFFF"/>
+            </a:solidFill>
+            <a:miter lim="800000"/>
+          </a:ln>
+          <a:effectLst>
+            <a:outerShdw blurRad="254000" algn="tl" rotWithShape="0">
+              <a:srgbClr val="000000">
+                <a:alpha val="43000"/>
+              </a:srgbClr>
+            </a:outerShdw>
+          </a:effectLst>
+        </p:spPr>
+      </p:pic>
     </p:spTree>
     <p:extLst>
       <p:ext uri="{BB962C8B-B14F-4D97-AF65-F5344CB8AC3E}">
-        <p14:creationId xmlns:p14="http://schemas.microsoft.com/office/powerpoint/2010/main" val="1004099967"/>
+        <p14:creationId xmlns:p14="http://schemas.microsoft.com/office/powerpoint/2010/main" val="718280294"/>
       </p:ext>
     </p:extLst>
   </p:cSld>
@@ -12323,7 +12363,7 @@
           <p:cNvPr id="2" name="Title 1">
             <a:extLst>
               <a:ext uri="{FF2B5EF4-FFF2-40B4-BE49-F238E27FC236}">
-                <a16:creationId xmlns:a16="http://schemas.microsoft.com/office/drawing/2014/main" id="{C1256E49-8189-B865-C1D9-22F93C6ABE01}"/>
+                <a16:creationId xmlns:a16="http://schemas.microsoft.com/office/drawing/2014/main" id="{F5B4BE39-75BD-7FC7-CD6A-30FBFE4F28F5}"/>
               </a:ext>
             </a:extLst>
           </p:cNvPr>
@@ -12341,6 +12381,151 @@
           <a:p>
             <a:r>
               <a:rPr lang="en-US" dirty="0"/>
+              <a:t>High Level Architecture	</a:t>
+            </a:r>
+          </a:p>
+        </p:txBody>
+      </p:sp>
+      <p:sp>
+        <p:nvSpPr>
+          <p:cNvPr id="3" name="Content Placeholder 2">
+            <a:extLst>
+              <a:ext uri="{FF2B5EF4-FFF2-40B4-BE49-F238E27FC236}">
+                <a16:creationId xmlns:a16="http://schemas.microsoft.com/office/drawing/2014/main" id="{E64F7651-A765-66B9-1389-2DFCBD087D9D}"/>
+              </a:ext>
+            </a:extLst>
+          </p:cNvPr>
+          <p:cNvSpPr>
+            <a:spLocks noGrp="1"/>
+          </p:cNvSpPr>
+          <p:nvPr>
+            <p:ph idx="1"/>
+          </p:nvPr>
+        </p:nvSpPr>
+        <p:spPr/>
+        <p:txBody>
+          <a:bodyPr vert="horz" lIns="91440" tIns="45720" rIns="91440" bIns="45720" rtlCol="0" anchor="t">
+            <a:normAutofit/>
+          </a:bodyPr>
+          <a:lstStyle/>
+          <a:p>
+            <a:pPr>
+              <a:lnSpc>
+                <a:spcPct val="150000"/>
+              </a:lnSpc>
+            </a:pPr>
+            <a:r>
+              <a:rPr lang="en-US" dirty="0"/>
+              <a:t>User Interface / Front End: Written in C# using .NET 8.0 and WPF </a:t>
+            </a:r>
+          </a:p>
+          <a:p>
+            <a:pPr>
+              <a:lnSpc>
+                <a:spcPct val="150000"/>
+              </a:lnSpc>
+            </a:pPr>
+            <a:r>
+              <a:rPr lang="en-US" dirty="0"/>
+              <a:t>SQL Server Management Studio using a </a:t>
+            </a:r>
+            <a:r>
+              <a:rPr lang="en-US" dirty="0" err="1"/>
+              <a:t>LocalDB</a:t>
+            </a:r>
+            <a:r>
+              <a:rPr lang="en-US" dirty="0"/>
+              <a:t> for Data</a:t>
+            </a:r>
+          </a:p>
+          <a:p>
+            <a:pPr>
+              <a:lnSpc>
+                <a:spcPct val="150000"/>
+              </a:lnSpc>
+            </a:pPr>
+            <a:r>
+              <a:rPr lang="en-US" dirty="0"/>
+              <a:t>UI Implemented using MVVM Architecture</a:t>
+            </a:r>
+          </a:p>
+          <a:p>
+            <a:pPr>
+              <a:lnSpc>
+                <a:spcPct val="150000"/>
+              </a:lnSpc>
+            </a:pPr>
+            <a:r>
+              <a:rPr lang="en-US" dirty="0"/>
+              <a:t>Shell Script to Compile Various .</a:t>
+            </a:r>
+            <a:r>
+              <a:rPr lang="en-US" dirty="0" err="1"/>
+              <a:t>sql</a:t>
+            </a:r>
+            <a:r>
+              <a:rPr lang="en-US" dirty="0"/>
+              <a:t> Files for DB</a:t>
+            </a:r>
+          </a:p>
+          <a:p>
+            <a:endParaRPr lang="en-US" dirty="0"/>
+          </a:p>
+        </p:txBody>
+      </p:sp>
+    </p:spTree>
+    <p:extLst>
+      <p:ext uri="{BB962C8B-B14F-4D97-AF65-F5344CB8AC3E}">
+        <p14:creationId xmlns:p14="http://schemas.microsoft.com/office/powerpoint/2010/main" val="1004099967"/>
+      </p:ext>
+    </p:extLst>
+  </p:cSld>
+  <p:clrMapOvr>
+    <a:masterClrMapping/>
+  </p:clrMapOvr>
+</p:sld>
+</file>
+
+<file path=ppt/slides/slide6.xml><?xml version="1.0" encoding="utf-8"?>
+<p:sld xmlns:a="http://schemas.openxmlformats.org/drawingml/2006/main" xmlns:r="http://schemas.openxmlformats.org/officeDocument/2006/relationships" xmlns:p="http://schemas.openxmlformats.org/presentationml/2006/main">
+  <p:cSld>
+    <p:spTree>
+      <p:nvGrpSpPr>
+        <p:cNvPr id="1" name=""/>
+        <p:cNvGrpSpPr/>
+        <p:nvPr/>
+      </p:nvGrpSpPr>
+      <p:grpSpPr>
+        <a:xfrm>
+          <a:off x="0" y="0"/>
+          <a:ext cx="0" cy="0"/>
+          <a:chOff x="0" y="0"/>
+          <a:chExt cx="0" cy="0"/>
+        </a:xfrm>
+      </p:grpSpPr>
+      <p:sp>
+        <p:nvSpPr>
+          <p:cNvPr id="2" name="Title 1">
+            <a:extLst>
+              <a:ext uri="{FF2B5EF4-FFF2-40B4-BE49-F238E27FC236}">
+                <a16:creationId xmlns:a16="http://schemas.microsoft.com/office/drawing/2014/main" id="{C1256E49-8189-B865-C1D9-22F93C6ABE01}"/>
+              </a:ext>
+            </a:extLst>
+          </p:cNvPr>
+          <p:cNvSpPr>
+            <a:spLocks noGrp="1"/>
+          </p:cNvSpPr>
+          <p:nvPr>
+            <p:ph type="title"/>
+          </p:nvPr>
+        </p:nvSpPr>
+        <p:spPr/>
+        <p:txBody>
+          <a:bodyPr/>
+          <a:lstStyle/>
+          <a:p>
+            <a:r>
+              <a:rPr lang="en-US" dirty="0"/>
               <a:t>Challenges</a:t>
             </a:r>
           </a:p>
@@ -12367,22 +12552,45 @@
           <a:bodyPr/>
           <a:lstStyle/>
           <a:p>
+            <a:pPr>
+              <a:lnSpc>
+                <a:spcPct val="150000"/>
+              </a:lnSpc>
+            </a:pPr>
             <a:r>
               <a:rPr lang="en-US" dirty="0"/>
               <a:t>Time Management: We should’ve started earlier!</a:t>
             </a:r>
           </a:p>
           <a:p>
+            <a:pPr>
+              <a:lnSpc>
+                <a:spcPct val="150000"/>
+              </a:lnSpc>
+            </a:pPr>
             <a:r>
               <a:rPr lang="en-US" dirty="0"/>
               <a:t>Getting the application fully connected with the database</a:t>
             </a:r>
           </a:p>
           <a:p>
+            <a:pPr>
+              <a:lnSpc>
+                <a:spcPct val="150000"/>
+              </a:lnSpc>
+            </a:pPr>
             <a:r>
               <a:rPr lang="en-US" dirty="0"/>
               <a:t>Getting and importing data to the database</a:t>
             </a:r>
+          </a:p>
+          <a:p>
+            <a:pPr>
+              <a:lnSpc>
+                <a:spcPct val="150000"/>
+              </a:lnSpc>
+            </a:pPr>
+            <a:endParaRPr lang="en-US" dirty="0"/>
           </a:p>
         </p:txBody>
       </p:sp>
